--- a/Slides/03_EDUC_6050_2018.pptx
+++ b/Slides/03_EDUC_6050_2018.pptx
@@ -238,7 +238,7 @@
           <a:p>
             <a:fld id="{E2EB8C27-4EA0-7247-87A3-872976A07B51}" type="datetimeFigureOut">
               <a:rPr lang="en-US" smtClean="0"/>
-              <a:t>1/10/18</a:t>
+              <a:t>1/20/18</a:t>
             </a:fld>
             <a:endParaRPr lang="en-US"/>
           </a:p>
@@ -3307,7 +3307,7 @@
           <a:p>
             <a:fld id="{2BEF6D73-E719-D849-B192-46101C5BDE90}" type="datetime1">
               <a:rPr lang="en-US" smtClean="0"/>
-              <a:t>1/10/18</a:t>
+              <a:t>1/20/18</a:t>
             </a:fld>
             <a:endParaRPr lang="en-US"/>
           </a:p>
@@ -3477,7 +3477,7 @@
           <a:p>
             <a:fld id="{217F9701-0A79-F944-95C4-63D074BCD5FE}" type="datetime1">
               <a:rPr lang="en-US" smtClean="0"/>
-              <a:t>1/10/18</a:t>
+              <a:t>1/20/18</a:t>
             </a:fld>
             <a:endParaRPr lang="en-US"/>
           </a:p>
@@ -3657,7 +3657,7 @@
           <a:p>
             <a:fld id="{8A1E0CA4-DAFA-6D46-8CB2-2C9884C33B19}" type="datetime1">
               <a:rPr lang="en-US" smtClean="0"/>
-              <a:t>1/10/18</a:t>
+              <a:t>1/20/18</a:t>
             </a:fld>
             <a:endParaRPr lang="en-US"/>
           </a:p>
@@ -3827,7 +3827,7 @@
           <a:p>
             <a:fld id="{2EDE969C-4E88-FD4D-B0FD-C205835C558E}" type="datetime1">
               <a:rPr lang="en-US" smtClean="0"/>
-              <a:t>1/10/18</a:t>
+              <a:t>1/20/18</a:t>
             </a:fld>
             <a:endParaRPr lang="en-US"/>
           </a:p>
@@ -4073,7 +4073,7 @@
           <a:p>
             <a:fld id="{6EB2FD85-1BA6-C144-9430-792891429B46}" type="datetime1">
               <a:rPr lang="en-US" smtClean="0"/>
-              <a:t>1/10/18</a:t>
+              <a:t>1/20/18</a:t>
             </a:fld>
             <a:endParaRPr lang="en-US"/>
           </a:p>
@@ -4305,7 +4305,7 @@
           <a:p>
             <a:fld id="{566BD6FA-46B1-AB4D-BA89-52D1F1EDB7DC}" type="datetime1">
               <a:rPr lang="en-US" smtClean="0"/>
-              <a:t>1/10/18</a:t>
+              <a:t>1/20/18</a:t>
             </a:fld>
             <a:endParaRPr lang="en-US"/>
           </a:p>
@@ -4672,7 +4672,7 @@
           <a:p>
             <a:fld id="{DC6F0F6F-40DD-C041-8CA9-F3B7FE603DF0}" type="datetime1">
               <a:rPr lang="en-US" smtClean="0"/>
-              <a:t>1/10/18</a:t>
+              <a:t>1/20/18</a:t>
             </a:fld>
             <a:endParaRPr lang="en-US"/>
           </a:p>
@@ -4790,7 +4790,7 @@
           <a:p>
             <a:fld id="{79BE8225-12C7-9541-8776-7D580B3D5DF4}" type="datetime1">
               <a:rPr lang="en-US" smtClean="0"/>
-              <a:t>1/10/18</a:t>
+              <a:t>1/20/18</a:t>
             </a:fld>
             <a:endParaRPr lang="en-US"/>
           </a:p>
@@ -4885,7 +4885,7 @@
           <a:p>
             <a:fld id="{0BC48ADA-5976-EF4F-970E-AF67408D4544}" type="datetime1">
               <a:rPr lang="en-US" smtClean="0"/>
-              <a:t>1/10/18</a:t>
+              <a:t>1/20/18</a:t>
             </a:fld>
             <a:endParaRPr lang="en-US"/>
           </a:p>
@@ -5162,7 +5162,7 @@
           <a:p>
             <a:fld id="{CC4350B1-E69C-BF40-8DA9-7B6511B1163C}" type="datetime1">
               <a:rPr lang="en-US" smtClean="0"/>
-              <a:t>1/10/18</a:t>
+              <a:t>1/20/18</a:t>
             </a:fld>
             <a:endParaRPr lang="en-US"/>
           </a:p>
@@ -5415,7 +5415,7 @@
           <a:p>
             <a:fld id="{AACAA9B4-0EE4-FC4D-BE81-EA98845A0C10}" type="datetime1">
               <a:rPr lang="en-US" smtClean="0"/>
-              <a:t>1/10/18</a:t>
+              <a:t>1/20/18</a:t>
             </a:fld>
             <a:endParaRPr lang="en-US"/>
           </a:p>
@@ -5628,7 +5628,7 @@
           <a:p>
             <a:fld id="{C15F6ACF-BE73-1A41-A391-5F549B566778}" type="datetime1">
               <a:rPr lang="en-US" smtClean="0"/>
-              <a:t>1/10/18</a:t>
+              <a:t>1/20/18</a:t>
             </a:fld>
             <a:endParaRPr lang="en-US"/>
           </a:p>
@@ -8451,7 +8451,15 @@
                 <a:ea typeface="Consolas" charset="0"/>
                 <a:cs typeface="Consolas" charset="0"/>
               </a:rPr>
-              <a:t>Review: Scales of Measurement</a:t>
+              <a:t>Review: </a:t>
+            </a:r>
+            <a:r>
+              <a:rPr lang="en-US" b="1" dirty="0" smtClean="0">
+                <a:latin typeface="Consolas" charset="0"/>
+                <a:ea typeface="Consolas" charset="0"/>
+                <a:cs typeface="Consolas" charset="0"/>
+              </a:rPr>
+              <a:t>Plots</a:t>
             </a:r>
             <a:endParaRPr lang="en-US" b="1" dirty="0">
               <a:latin typeface="Consolas" charset="0"/>
@@ -8461,291 +8469,6 @@
           </a:p>
         </p:txBody>
       </p:sp>
-      <p:sp>
-        <p:nvSpPr>
-          <p:cNvPr id="4" name="TextBox 3"/>
-          <p:cNvSpPr txBox="1"/>
-          <p:nvPr/>
-        </p:nvSpPr>
-        <p:spPr>
-          <a:xfrm>
-            <a:off x="1785257" y="1715861"/>
-            <a:ext cx="2443843" cy="646331"/>
-          </a:xfrm>
-          <a:prstGeom prst="rect">
-            <a:avLst/>
-          </a:prstGeom>
-          <a:noFill/>
-        </p:spPr>
-        <p:txBody>
-          <a:bodyPr wrap="square" rtlCol="0">
-            <a:spAutoFit/>
-          </a:bodyPr>
-          <a:lstStyle/>
-          <a:p>
-            <a:pPr algn="ctr"/>
-            <a:r>
-              <a:rPr lang="en-US" sz="3600" b="1" smtClean="0">
-                <a:solidFill>
-                  <a:schemeClr val="accent2"/>
-                </a:solidFill>
-                <a:latin typeface="Consolas" charset="0"/>
-                <a:ea typeface="Consolas" charset="0"/>
-                <a:cs typeface="Consolas" charset="0"/>
-              </a:rPr>
-              <a:t>Discrete</a:t>
-            </a:r>
-            <a:endParaRPr lang="en-US" sz="3600" b="1" dirty="0" smtClean="0">
-              <a:solidFill>
-                <a:schemeClr val="accent2"/>
-              </a:solidFill>
-              <a:latin typeface="Consolas" charset="0"/>
-              <a:ea typeface="Consolas" charset="0"/>
-              <a:cs typeface="Consolas" charset="0"/>
-            </a:endParaRPr>
-          </a:p>
-        </p:txBody>
-      </p:sp>
-      <p:sp>
-        <p:nvSpPr>
-          <p:cNvPr id="8" name="TextBox 7"/>
-          <p:cNvSpPr txBox="1"/>
-          <p:nvPr/>
-        </p:nvSpPr>
-        <p:spPr>
-          <a:xfrm>
-            <a:off x="7527473" y="1715861"/>
-            <a:ext cx="2748643" cy="646331"/>
-          </a:xfrm>
-          <a:prstGeom prst="rect">
-            <a:avLst/>
-          </a:prstGeom>
-          <a:noFill/>
-        </p:spPr>
-        <p:txBody>
-          <a:bodyPr wrap="square" rtlCol="0">
-            <a:spAutoFit/>
-          </a:bodyPr>
-          <a:lstStyle/>
-          <a:p>
-            <a:pPr algn="ctr"/>
-            <a:r>
-              <a:rPr lang="en-US" sz="3600" b="1" dirty="0" smtClean="0">
-                <a:solidFill>
-                  <a:schemeClr val="accent6"/>
-                </a:solidFill>
-                <a:latin typeface="Consolas" charset="0"/>
-                <a:ea typeface="Consolas" charset="0"/>
-                <a:cs typeface="Consolas" charset="0"/>
-              </a:rPr>
-              <a:t>Continuous</a:t>
-            </a:r>
-          </a:p>
-        </p:txBody>
-      </p:sp>
-      <p:sp>
-        <p:nvSpPr>
-          <p:cNvPr id="10" name="TextBox 9"/>
-          <p:cNvSpPr txBox="1"/>
-          <p:nvPr/>
-        </p:nvSpPr>
-        <p:spPr>
-          <a:xfrm>
-            <a:off x="522514" y="2729402"/>
-            <a:ext cx="5192485" cy="1754326"/>
-          </a:xfrm>
-          <a:prstGeom prst="rect">
-            <a:avLst/>
-          </a:prstGeom>
-          <a:noFill/>
-        </p:spPr>
-        <p:txBody>
-          <a:bodyPr wrap="square" rtlCol="0">
-            <a:spAutoFit/>
-          </a:bodyPr>
-          <a:lstStyle/>
-          <a:p>
-            <a:pPr algn="ctr"/>
-            <a:r>
-              <a:rPr lang="en-US" sz="3600" b="1" dirty="0" smtClean="0">
-                <a:solidFill>
-                  <a:schemeClr val="tx2"/>
-                </a:solidFill>
-                <a:latin typeface="Consolas" charset="0"/>
-                <a:ea typeface="Consolas" charset="0"/>
-                <a:cs typeface="Consolas" charset="0"/>
-              </a:rPr>
-              <a:t>Cannot be broken down </a:t>
-            </a:r>
-            <a:r>
-              <a:rPr lang="en-US" sz="3600" b="1" smtClean="0">
-                <a:solidFill>
-                  <a:schemeClr val="tx2"/>
-                </a:solidFill>
-                <a:latin typeface="Consolas" charset="0"/>
-                <a:ea typeface="Consolas" charset="0"/>
-                <a:cs typeface="Consolas" charset="0"/>
-              </a:rPr>
-              <a:t>into smaller units</a:t>
-            </a:r>
-            <a:endParaRPr lang="en-US" sz="3600" b="1" dirty="0" smtClean="0">
-              <a:solidFill>
-                <a:schemeClr val="tx2"/>
-              </a:solidFill>
-              <a:latin typeface="Consolas" charset="0"/>
-              <a:ea typeface="Consolas" charset="0"/>
-              <a:cs typeface="Consolas" charset="0"/>
-            </a:endParaRPr>
-          </a:p>
-        </p:txBody>
-      </p:sp>
-      <p:sp>
-        <p:nvSpPr>
-          <p:cNvPr id="11" name="TextBox 10"/>
-          <p:cNvSpPr txBox="1"/>
-          <p:nvPr/>
-        </p:nvSpPr>
-        <p:spPr>
-          <a:xfrm>
-            <a:off x="6305551" y="2729402"/>
-            <a:ext cx="5192485" cy="1200329"/>
-          </a:xfrm>
-          <a:prstGeom prst="rect">
-            <a:avLst/>
-          </a:prstGeom>
-          <a:noFill/>
-        </p:spPr>
-        <p:txBody>
-          <a:bodyPr wrap="square" rtlCol="0">
-            <a:spAutoFit/>
-          </a:bodyPr>
-          <a:lstStyle/>
-          <a:p>
-            <a:pPr algn="ctr"/>
-            <a:r>
-              <a:rPr lang="en-US" sz="3600" b="1" dirty="0" smtClean="0">
-                <a:solidFill>
-                  <a:schemeClr val="tx2"/>
-                </a:solidFill>
-                <a:latin typeface="Consolas" charset="0"/>
-                <a:ea typeface="Consolas" charset="0"/>
-                <a:cs typeface="Consolas" charset="0"/>
-              </a:rPr>
-              <a:t>Can be broken into smaller units</a:t>
-            </a:r>
-          </a:p>
-        </p:txBody>
-      </p:sp>
-      <p:sp>
-        <p:nvSpPr>
-          <p:cNvPr id="12" name="TextBox 11"/>
-          <p:cNvSpPr txBox="1"/>
-          <p:nvPr/>
-        </p:nvSpPr>
-        <p:spPr>
-          <a:xfrm>
-            <a:off x="522513" y="5045388"/>
-            <a:ext cx="5192485" cy="1384995"/>
-          </a:xfrm>
-          <a:prstGeom prst="rect">
-            <a:avLst/>
-          </a:prstGeom>
-          <a:noFill/>
-        </p:spPr>
-        <p:txBody>
-          <a:bodyPr wrap="square" rtlCol="0">
-            <a:spAutoFit/>
-          </a:bodyPr>
-          <a:lstStyle/>
-          <a:p>
-            <a:pPr algn="ctr"/>
-            <a:r>
-              <a:rPr lang="en-US" sz="2800" b="1" i="1" dirty="0" smtClean="0">
-                <a:solidFill>
-                  <a:schemeClr val="tx2"/>
-                </a:solidFill>
-                <a:latin typeface="Consolas" charset="0"/>
-                <a:ea typeface="Consolas" charset="0"/>
-                <a:cs typeface="Consolas" charset="0"/>
-              </a:rPr>
-              <a:t>Number of siblings, racial groups, have the disease or not</a:t>
-            </a:r>
-          </a:p>
-        </p:txBody>
-      </p:sp>
-      <p:sp>
-        <p:nvSpPr>
-          <p:cNvPr id="13" name="TextBox 12"/>
-          <p:cNvSpPr txBox="1"/>
-          <p:nvPr/>
-        </p:nvSpPr>
-        <p:spPr>
-          <a:xfrm>
-            <a:off x="6305551" y="5045388"/>
-            <a:ext cx="5192485" cy="954107"/>
-          </a:xfrm>
-          <a:prstGeom prst="rect">
-            <a:avLst/>
-          </a:prstGeom>
-          <a:noFill/>
-        </p:spPr>
-        <p:txBody>
-          <a:bodyPr wrap="square" rtlCol="0">
-            <a:spAutoFit/>
-          </a:bodyPr>
-          <a:lstStyle/>
-          <a:p>
-            <a:pPr algn="ctr"/>
-            <a:r>
-              <a:rPr lang="en-US" sz="2800" b="1" i="1" dirty="0" smtClean="0">
-                <a:solidFill>
-                  <a:schemeClr val="tx2"/>
-                </a:solidFill>
-                <a:latin typeface="Consolas" charset="0"/>
-                <a:ea typeface="Consolas" charset="0"/>
-                <a:cs typeface="Consolas" charset="0"/>
-              </a:rPr>
-              <a:t>Time to finish an exam, height of a person</a:t>
-            </a:r>
-          </a:p>
-        </p:txBody>
-      </p:sp>
-      <p:cxnSp>
-        <p:nvCxnSpPr>
-          <p:cNvPr id="5" name="Straight Connector 4"/>
-          <p:cNvCxnSpPr/>
-          <p:nvPr/>
-        </p:nvCxnSpPr>
-        <p:spPr>
-          <a:xfrm>
-            <a:off x="5943600" y="1894114"/>
-            <a:ext cx="0" cy="4536269"/>
-          </a:xfrm>
-          <a:prstGeom prst="line">
-            <a:avLst/>
-          </a:prstGeom>
-          <a:ln w="76200">
-            <a:solidFill>
-              <a:schemeClr val="accent3"/>
-            </a:solidFill>
-            <a:prstDash val="sysDash"/>
-          </a:ln>
-        </p:spPr>
-        <p:style>
-          <a:lnRef idx="1">
-            <a:schemeClr val="accent1"/>
-          </a:lnRef>
-          <a:fillRef idx="0">
-            <a:schemeClr val="accent1"/>
-          </a:fillRef>
-          <a:effectRef idx="0">
-            <a:schemeClr val="accent1"/>
-          </a:effectRef>
-          <a:fontRef idx="minor">
-            <a:schemeClr val="tx1"/>
-          </a:fontRef>
-        </p:style>
-      </p:cxnSp>
       <p:sp>
         <p:nvSpPr>
           <p:cNvPr id="3" name="Slide Number Placeholder 2"/>
@@ -8769,6 +8492,101 @@
           </a:p>
         </p:txBody>
       </p:sp>
+      <p:pic>
+        <p:nvPicPr>
+          <p:cNvPr id="14" name="Picture 13"/>
+          <p:cNvPicPr>
+            <a:picLocks noChangeAspect="1"/>
+          </p:cNvPicPr>
+          <p:nvPr/>
+        </p:nvPicPr>
+        <p:blipFill>
+          <a:blip r:embed="rId3"/>
+          <a:stretch>
+            <a:fillRect/>
+          </a:stretch>
+        </p:blipFill>
+        <p:spPr>
+          <a:xfrm>
+            <a:off x="412750" y="1514475"/>
+            <a:ext cx="4508500" cy="4508500"/>
+          </a:xfrm>
+          <a:prstGeom prst="rect">
+            <a:avLst/>
+          </a:prstGeom>
+        </p:spPr>
+      </p:pic>
+      <p:pic>
+        <p:nvPicPr>
+          <p:cNvPr id="15" name="Picture 14"/>
+          <p:cNvPicPr>
+            <a:picLocks noChangeAspect="1"/>
+          </p:cNvPicPr>
+          <p:nvPr/>
+        </p:nvPicPr>
+        <p:blipFill>
+          <a:blip r:embed="rId4"/>
+          <a:stretch>
+            <a:fillRect/>
+          </a:stretch>
+        </p:blipFill>
+        <p:spPr>
+          <a:xfrm>
+            <a:off x="3348037" y="2343150"/>
+            <a:ext cx="4514850" cy="4514850"/>
+          </a:xfrm>
+          <a:prstGeom prst="rect">
+            <a:avLst/>
+          </a:prstGeom>
+        </p:spPr>
+      </p:pic>
+      <p:pic>
+        <p:nvPicPr>
+          <p:cNvPr id="16" name="Picture 15"/>
+          <p:cNvPicPr>
+            <a:picLocks noChangeAspect="1"/>
+          </p:cNvPicPr>
+          <p:nvPr/>
+        </p:nvPicPr>
+        <p:blipFill>
+          <a:blip r:embed="rId5"/>
+          <a:stretch>
+            <a:fillRect/>
+          </a:stretch>
+        </p:blipFill>
+        <p:spPr>
+          <a:xfrm>
+            <a:off x="5275580" y="200026"/>
+            <a:ext cx="5522594" cy="4602162"/>
+          </a:xfrm>
+          <a:prstGeom prst="rect">
+            <a:avLst/>
+          </a:prstGeom>
+        </p:spPr>
+      </p:pic>
+      <p:pic>
+        <p:nvPicPr>
+          <p:cNvPr id="17" name="Picture 16"/>
+          <p:cNvPicPr>
+            <a:picLocks noChangeAspect="1"/>
+          </p:cNvPicPr>
+          <p:nvPr/>
+        </p:nvPicPr>
+        <p:blipFill rotWithShape="1">
+          <a:blip r:embed="rId6"/>
+          <a:srcRect l="-11204" r="11204"/>
+          <a:stretch/>
+        </p:blipFill>
+        <p:spPr>
+          <a:xfrm>
+            <a:off x="6789420" y="2765425"/>
+            <a:ext cx="5138420" cy="3670300"/>
+          </a:xfrm>
+          <a:prstGeom prst="rect">
+            <a:avLst/>
+          </a:prstGeom>
+        </p:spPr>
+      </p:pic>
     </p:spTree>
     <p:extLst>
       <p:ext uri="{BB962C8B-B14F-4D97-AF65-F5344CB8AC3E}">
@@ -8782,7 +8600,189 @@
   <p:timing>
     <p:tnLst>
       <p:par>
-        <p:cTn id="1" dur="indefinite" restart="never" nodeType="tmRoot"/>
+        <p:cTn id="1" dur="indefinite" restart="never" nodeType="tmRoot">
+          <p:childTnLst>
+            <p:seq concurrent="1" nextAc="seek">
+              <p:cTn id="2" dur="indefinite" nodeType="mainSeq">
+                <p:childTnLst>
+                  <p:par>
+                    <p:cTn id="3" fill="hold">
+                      <p:stCondLst>
+                        <p:cond delay="indefinite"/>
+                      </p:stCondLst>
+                      <p:childTnLst>
+                        <p:par>
+                          <p:cTn id="4" fill="hold">
+                            <p:stCondLst>
+                              <p:cond delay="0"/>
+                            </p:stCondLst>
+                            <p:childTnLst>
+                              <p:par>
+                                <p:cTn id="5" presetID="9" presetClass="entr" presetSubtype="0" fill="hold" nodeType="clickEffect">
+                                  <p:stCondLst>
+                                    <p:cond delay="0"/>
+                                  </p:stCondLst>
+                                  <p:childTnLst>
+                                    <p:set>
+                                      <p:cBhvr>
+                                        <p:cTn id="6" dur="1" fill="hold">
+                                          <p:stCondLst>
+                                            <p:cond delay="0"/>
+                                          </p:stCondLst>
+                                        </p:cTn>
+                                        <p:tgtEl>
+                                          <p:spTgt spid="15"/>
+                                        </p:tgtEl>
+                                        <p:attrNameLst>
+                                          <p:attrName>style.visibility</p:attrName>
+                                        </p:attrNameLst>
+                                      </p:cBhvr>
+                                      <p:to>
+                                        <p:strVal val="visible"/>
+                                      </p:to>
+                                    </p:set>
+                                    <p:animEffect transition="in" filter="dissolve">
+                                      <p:cBhvr>
+                                        <p:cTn id="7" dur="500"/>
+                                        <p:tgtEl>
+                                          <p:spTgt spid="15"/>
+                                        </p:tgtEl>
+                                      </p:cBhvr>
+                                    </p:animEffect>
+                                  </p:childTnLst>
+                                </p:cTn>
+                              </p:par>
+                            </p:childTnLst>
+                          </p:cTn>
+                        </p:par>
+                      </p:childTnLst>
+                    </p:cTn>
+                  </p:par>
+                  <p:par>
+                    <p:cTn id="8" fill="hold">
+                      <p:stCondLst>
+                        <p:cond delay="indefinite"/>
+                      </p:stCondLst>
+                      <p:childTnLst>
+                        <p:par>
+                          <p:cTn id="9" fill="hold">
+                            <p:stCondLst>
+                              <p:cond delay="0"/>
+                            </p:stCondLst>
+                            <p:childTnLst>
+                              <p:par>
+                                <p:cTn id="10" presetID="9" presetClass="entr" presetSubtype="0" fill="hold" nodeType="clickEffect">
+                                  <p:stCondLst>
+                                    <p:cond delay="0"/>
+                                  </p:stCondLst>
+                                  <p:childTnLst>
+                                    <p:set>
+                                      <p:cBhvr>
+                                        <p:cTn id="11" dur="1" fill="hold">
+                                          <p:stCondLst>
+                                            <p:cond delay="0"/>
+                                          </p:stCondLst>
+                                        </p:cTn>
+                                        <p:tgtEl>
+                                          <p:spTgt spid="16"/>
+                                        </p:tgtEl>
+                                        <p:attrNameLst>
+                                          <p:attrName>style.visibility</p:attrName>
+                                        </p:attrNameLst>
+                                      </p:cBhvr>
+                                      <p:to>
+                                        <p:strVal val="visible"/>
+                                      </p:to>
+                                    </p:set>
+                                    <p:animEffect transition="in" filter="dissolve">
+                                      <p:cBhvr>
+                                        <p:cTn id="12" dur="500"/>
+                                        <p:tgtEl>
+                                          <p:spTgt spid="16"/>
+                                        </p:tgtEl>
+                                      </p:cBhvr>
+                                    </p:animEffect>
+                                  </p:childTnLst>
+                                </p:cTn>
+                              </p:par>
+                            </p:childTnLst>
+                          </p:cTn>
+                        </p:par>
+                      </p:childTnLst>
+                    </p:cTn>
+                  </p:par>
+                  <p:par>
+                    <p:cTn id="13" fill="hold">
+                      <p:stCondLst>
+                        <p:cond delay="indefinite"/>
+                      </p:stCondLst>
+                      <p:childTnLst>
+                        <p:par>
+                          <p:cTn id="14" fill="hold">
+                            <p:stCondLst>
+                              <p:cond delay="0"/>
+                            </p:stCondLst>
+                            <p:childTnLst>
+                              <p:par>
+                                <p:cTn id="15" presetID="9" presetClass="entr" presetSubtype="0" fill="hold" nodeType="clickEffect">
+                                  <p:stCondLst>
+                                    <p:cond delay="0"/>
+                                  </p:stCondLst>
+                                  <p:childTnLst>
+                                    <p:set>
+                                      <p:cBhvr>
+                                        <p:cTn id="16" dur="1" fill="hold">
+                                          <p:stCondLst>
+                                            <p:cond delay="0"/>
+                                          </p:stCondLst>
+                                        </p:cTn>
+                                        <p:tgtEl>
+                                          <p:spTgt spid="17"/>
+                                        </p:tgtEl>
+                                        <p:attrNameLst>
+                                          <p:attrName>style.visibility</p:attrName>
+                                        </p:attrNameLst>
+                                      </p:cBhvr>
+                                      <p:to>
+                                        <p:strVal val="visible"/>
+                                      </p:to>
+                                    </p:set>
+                                    <p:animEffect transition="in" filter="dissolve">
+                                      <p:cBhvr>
+                                        <p:cTn id="17" dur="500"/>
+                                        <p:tgtEl>
+                                          <p:spTgt spid="17"/>
+                                        </p:tgtEl>
+                                      </p:cBhvr>
+                                    </p:animEffect>
+                                  </p:childTnLst>
+                                </p:cTn>
+                              </p:par>
+                            </p:childTnLst>
+                          </p:cTn>
+                        </p:par>
+                      </p:childTnLst>
+                    </p:cTn>
+                  </p:par>
+                </p:childTnLst>
+              </p:cTn>
+              <p:prevCondLst>
+                <p:cond evt="onPrev" delay="0">
+                  <p:tgtEl>
+                    <p:sldTgt/>
+                  </p:tgtEl>
+                </p:cond>
+              </p:prevCondLst>
+              <p:nextCondLst>
+                <p:cond evt="onNext" delay="0">
+                  <p:tgtEl>
+                    <p:sldTgt/>
+                  </p:tgtEl>
+                </p:cond>
+              </p:nextCondLst>
+            </p:seq>
+          </p:childTnLst>
+        </p:cTn>
       </p:par>
     </p:tnLst>
   </p:timing>
@@ -14720,14 +14720,6 @@
               </a:rPr>
               <a:t>Compare with factor analyses (not covered in the class)</a:t>
             </a:r>
-            <a:endParaRPr lang="en-US" sz="2800" b="1" dirty="0" smtClean="0">
-              <a:solidFill>
-                <a:schemeClr val="tx2"/>
-              </a:solidFill>
-              <a:latin typeface="Consolas" charset="0"/>
-              <a:ea typeface="Consolas" charset="0"/>
-              <a:cs typeface="Consolas" charset="0"/>
-            </a:endParaRPr>
           </a:p>
         </p:txBody>
       </p:sp>
@@ -14800,14 +14792,6 @@
               </a:rPr>
               <a:t>Often based on theory</a:t>
             </a:r>
-            <a:endParaRPr lang="en-US" sz="2800" b="1" dirty="0" smtClean="0">
-              <a:solidFill>
-                <a:schemeClr val="tx2"/>
-              </a:solidFill>
-              <a:latin typeface="Consolas" charset="0"/>
-              <a:ea typeface="Consolas" charset="0"/>
-              <a:cs typeface="Consolas" charset="0"/>
-            </a:endParaRPr>
           </a:p>
         </p:txBody>
       </p:sp>
@@ -15003,8 +14987,8 @@
         </p:nvSpPr>
         <p:spPr>
           <a:xfrm>
-            <a:off x="1194631" y="3408276"/>
-            <a:ext cx="10315687" cy="2123658"/>
+            <a:off x="1000125" y="3408276"/>
+            <a:ext cx="10510193" cy="2123658"/>
           </a:xfrm>
           <a:prstGeom prst="rect">
             <a:avLst/>
@@ -15021,7 +15005,7 @@
               <a:buAutoNum type="arabicPeriod"/>
             </a:pPr>
             <a:r>
-              <a:rPr lang="en-US" sz="4400" dirty="0" smtClean="0">
+              <a:rPr lang="en-US" sz="4400" b="1" smtClean="0">
                 <a:solidFill>
                   <a:schemeClr val="tx2"/>
                 </a:solidFill>
@@ -15029,10 +15013,10 @@
                 <a:ea typeface="Consolas" charset="0"/>
                 <a:cs typeface="Consolas" charset="0"/>
               </a:rPr>
-              <a:t>More Statistical </a:t>
-            </a:r>
-            <a:r>
-              <a:rPr lang="en-US" sz="4400" dirty="0" smtClean="0">
+              <a:t>Review Statistical </a:t>
+            </a:r>
+            <a:r>
+              <a:rPr lang="en-US" sz="4400" b="1" dirty="0" smtClean="0">
                 <a:solidFill>
                   <a:schemeClr val="accent1"/>
                 </a:solidFill>
@@ -15042,7 +15026,7 @@
               </a:rPr>
               <a:t>Terminology</a:t>
             </a:r>
-            <a:endParaRPr lang="en-US" sz="4400" dirty="0" smtClean="0">
+            <a:endParaRPr lang="en-US" sz="4400" b="1" dirty="0" smtClean="0">
               <a:solidFill>
                 <a:schemeClr val="accent1"/>
               </a:solidFill>
@@ -15054,7 +15038,7 @@
               <a:buAutoNum type="arabicPeriod"/>
             </a:pPr>
             <a:r>
-              <a:rPr lang="en-US" sz="4400" dirty="0" smtClean="0">
+              <a:rPr lang="en-US" sz="4400" b="1" dirty="0" smtClean="0">
                 <a:solidFill>
                   <a:schemeClr val="accent3"/>
                 </a:solidFill>
@@ -15071,7 +15055,7 @@
               <a:buAutoNum type="arabicPeriod"/>
             </a:pPr>
             <a:r>
-              <a:rPr lang="en-US" sz="4400" dirty="0" smtClean="0">
+              <a:rPr lang="en-US" sz="4400" b="1" dirty="0" smtClean="0">
                 <a:solidFill>
                   <a:schemeClr val="accent1"/>
                 </a:solidFill>
@@ -15234,14 +15218,6 @@
               </a:rPr>
               <a:t>observational, no treatment/intervention</a:t>
             </a:r>
-            <a:endParaRPr lang="en-US" sz="2800" b="1" dirty="0" smtClean="0">
-              <a:solidFill>
-                <a:schemeClr val="tx2"/>
-              </a:solidFill>
-              <a:latin typeface="Consolas" charset="0"/>
-              <a:ea typeface="Consolas" charset="0"/>
-              <a:cs typeface="Consolas" charset="0"/>
-            </a:endParaRPr>
           </a:p>
         </p:txBody>
       </p:sp>
@@ -15304,14 +15280,6 @@
               </a:rPr>
               <a:t>treatment/intervention (best if groups are randomized)</a:t>
             </a:r>
-            <a:endParaRPr lang="en-US" sz="2800" b="1" dirty="0" smtClean="0">
-              <a:solidFill>
-                <a:schemeClr val="tx2"/>
-              </a:solidFill>
-              <a:latin typeface="Consolas" charset="0"/>
-              <a:ea typeface="Consolas" charset="0"/>
-              <a:cs typeface="Consolas" charset="0"/>
-            </a:endParaRPr>
           </a:p>
         </p:txBody>
       </p:sp>
@@ -15555,14 +15523,6 @@
               </a:rPr>
               <a:t>Depends on the field how often each are used</a:t>
             </a:r>
-            <a:endParaRPr lang="en-US" sz="3600" b="1" dirty="0" smtClean="0">
-              <a:solidFill>
-                <a:schemeClr val="tx2"/>
-              </a:solidFill>
-              <a:latin typeface="Consolas" charset="0"/>
-              <a:ea typeface="Consolas" charset="0"/>
-              <a:cs typeface="Consolas" charset="0"/>
-            </a:endParaRPr>
           </a:p>
         </p:txBody>
       </p:sp>
@@ -15599,14 +15559,6 @@
               </a:rPr>
               <a:t>Possible, but difficult, to convince of causation with correlational (observational) data</a:t>
             </a:r>
-            <a:endParaRPr lang="en-US" sz="2800" b="1" dirty="0" smtClean="0">
-              <a:solidFill>
-                <a:schemeClr val="tx2"/>
-              </a:solidFill>
-              <a:latin typeface="Consolas" charset="0"/>
-              <a:ea typeface="Consolas" charset="0"/>
-              <a:cs typeface="Consolas" charset="0"/>
-            </a:endParaRPr>
           </a:p>
         </p:txBody>
       </p:sp>
@@ -16050,16 +16002,6 @@
               </a:rPr>
               <a:t>Median</a:t>
             </a:r>
-            <a:endParaRPr lang="en-US" sz="4400" b="1" dirty="0" smtClean="0">
-              <a:solidFill>
-                <a:schemeClr val="bg1">
-                  <a:lumMod val="95000"/>
-                </a:schemeClr>
-              </a:solidFill>
-              <a:latin typeface="Consolas" charset="0"/>
-              <a:ea typeface="Consolas" charset="0"/>
-              <a:cs typeface="Consolas" charset="0"/>
-            </a:endParaRPr>
           </a:p>
         </p:txBody>
       </p:sp>
@@ -16108,16 +16050,6 @@
               </a:rPr>
               <a:t>Mode</a:t>
             </a:r>
-            <a:endParaRPr lang="en-US" sz="4400" b="1" dirty="0" smtClean="0">
-              <a:solidFill>
-                <a:schemeClr val="bg1">
-                  <a:lumMod val="95000"/>
-                </a:schemeClr>
-              </a:solidFill>
-              <a:latin typeface="Consolas" charset="0"/>
-              <a:ea typeface="Consolas" charset="0"/>
-              <a:cs typeface="Consolas" charset="0"/>
-            </a:endParaRPr>
           </a:p>
         </p:txBody>
       </p:sp>
@@ -16169,14 +16101,6 @@
               </a:rPr>
               <a:t>Sum of scores divided by number of scores</a:t>
             </a:r>
-            <a:endParaRPr lang="en-US" sz="2400" b="1" dirty="0" smtClean="0">
-              <a:solidFill>
-                <a:schemeClr val="tx2"/>
-              </a:solidFill>
-              <a:latin typeface="Consolas" charset="0"/>
-              <a:ea typeface="Consolas" charset="0"/>
-              <a:cs typeface="Consolas" charset="0"/>
-            </a:endParaRPr>
           </a:p>
         </p:txBody>
       </p:sp>
@@ -16228,14 +16152,6 @@
               </a:rPr>
               <a:t>The number where half of the scores are above and half are below</a:t>
             </a:r>
-            <a:endParaRPr lang="en-US" sz="2400" b="1" dirty="0" smtClean="0">
-              <a:solidFill>
-                <a:schemeClr val="tx2"/>
-              </a:solidFill>
-              <a:latin typeface="Consolas" charset="0"/>
-              <a:ea typeface="Consolas" charset="0"/>
-              <a:cs typeface="Consolas" charset="0"/>
-            </a:endParaRPr>
           </a:p>
         </p:txBody>
       </p:sp>
@@ -16287,14 +16203,6 @@
               </a:rPr>
               <a:t>The most common score</a:t>
             </a:r>
-            <a:endParaRPr lang="en-US" sz="2400" b="1" dirty="0" smtClean="0">
-              <a:solidFill>
-                <a:schemeClr val="tx2"/>
-              </a:solidFill>
-              <a:latin typeface="Consolas" charset="0"/>
-              <a:ea typeface="Consolas" charset="0"/>
-              <a:cs typeface="Consolas" charset="0"/>
-            </a:endParaRPr>
           </a:p>
         </p:txBody>
       </p:sp>
@@ -16948,20 +16856,7 @@
                           <a:ea typeface="Consolas" charset="0"/>
                           <a:cs typeface="Consolas" charset="0"/>
                         </a:rPr>
-                        <a:t>With interval/ratio data that are skewed or have </a:t>
-                      </a:r>
-                      <a:r>
-                        <a:rPr lang="en-US" sz="3200" dirty="0" smtClean="0">
-                          <a:solidFill>
-                            <a:schemeClr val="accent2">
-                              <a:lumMod val="75000"/>
-                            </a:schemeClr>
-                          </a:solidFill>
-                          <a:latin typeface="Consolas" charset="0"/>
-                          <a:ea typeface="Consolas" charset="0"/>
-                          <a:cs typeface="Consolas" charset="0"/>
-                        </a:rPr>
-                        <a:t>outliers</a:t>
+                        <a:t>With interval/ratio data that are skewed or have outliers</a:t>
                       </a:r>
                       <a:endParaRPr lang="en-US" sz="3200" dirty="0">
                         <a:solidFill>
@@ -17521,8 +17416,8 @@
           </a:p>
         </p:txBody>
       </p:sp>
-      <mc:AlternateContent xmlns:mc="http://schemas.openxmlformats.org/markup-compatibility/2006">
-        <mc:Choice xmlns:a14="http://schemas.microsoft.com/office/drawing/2010/main" Requires="a14">
+      <mc:AlternateContent xmlns:mc="http://schemas.openxmlformats.org/markup-compatibility/2006" xmlns:a14="http://schemas.microsoft.com/office/drawing/2010/main">
+        <mc:Choice Requires="a14">
           <p:sp>
             <p:nvSpPr>
               <p:cNvPr id="5" name="TextBox 4"/>
@@ -17557,7 +17452,7 @@
                           <a:solidFill>
                             <a:schemeClr val="tx2"/>
                           </a:solidFill>
-                          <a:latin typeface="Consolas" charset="0"/>
+                          <a:latin typeface="Cambria Math" charset="0"/>
                           <a:ea typeface="Consolas" charset="0"/>
                           <a:cs typeface="Consolas" charset="0"/>
                         </a:rPr>
@@ -17568,7 +17463,7 @@
                           <a:solidFill>
                             <a:schemeClr val="tx2"/>
                           </a:solidFill>
-                          <a:latin typeface="Consolas" charset="0"/>
+                          <a:latin typeface="Cambria Math" charset="0"/>
                           <a:ea typeface="Consolas" charset="0"/>
                           <a:cs typeface="Consolas" charset="0"/>
                         </a:rPr>
@@ -17581,7 +17476,7 @@
                               <a:solidFill>
                                 <a:schemeClr val="tx2"/>
                               </a:solidFill>
-                              <a:latin typeface="Consolas" charset="0"/>
+                              <a:latin typeface="Cambria Math" charset="0"/>
                               <a:ea typeface="Consolas" charset="0"/>
                               <a:cs typeface="Consolas" charset="0"/>
                             </a:rPr>
@@ -17598,7 +17493,7 @@
                                   <a:solidFill>
                                     <a:schemeClr val="tx2"/>
                                   </a:solidFill>
-                                  <a:latin typeface="Consolas" charset="0"/>
+                                  <a:latin typeface="Cambria Math" charset="0"/>
                                   <a:ea typeface="Consolas" charset="0"/>
                                   <a:cs typeface="Consolas" charset="0"/>
                                 </a:rPr>
@@ -17612,7 +17507,7 @@
                                   <a:solidFill>
                                     <a:schemeClr val="tx2"/>
                                   </a:solidFill>
-                                  <a:latin typeface="Consolas" charset="0"/>
+                                  <a:latin typeface="Cambria Math" charset="0"/>
                                   <a:ea typeface="Consolas" charset="0"/>
                                   <a:cs typeface="Consolas" charset="0"/>
                                 </a:rPr>
@@ -17627,7 +17522,7 @@
                               <a:solidFill>
                                 <a:schemeClr val="tx2"/>
                               </a:solidFill>
-                              <a:latin typeface="Consolas" charset="0"/>
+                              <a:latin typeface="Cambria Math" charset="0"/>
                               <a:ea typeface="Consolas" charset="0"/>
                               <a:cs typeface="Consolas" charset="0"/>
                             </a:rPr>
@@ -17650,7 +17545,7 @@
             </p:txBody>
           </p:sp>
         </mc:Choice>
-        <mc:Fallback>
+        <mc:Fallback xmlns="">
           <p:sp>
             <p:nvSpPr>
               <p:cNvPr id="5" name="TextBox 4"/>
@@ -17862,14 +17757,6 @@
               </a:rPr>
               <a:t>If two are in the middle, take the average of those two</a:t>
             </a:r>
-            <a:endParaRPr lang="en-US" sz="4400" b="1" dirty="0" smtClean="0">
-              <a:solidFill>
-                <a:schemeClr val="tx2"/>
-              </a:solidFill>
-              <a:latin typeface="Consolas" charset="0"/>
-              <a:ea typeface="Consolas" charset="0"/>
-              <a:cs typeface="Consolas" charset="0"/>
-            </a:endParaRPr>
           </a:p>
         </p:txBody>
       </p:sp>
@@ -18011,14 +17898,6 @@
               </a:rPr>
               <a:t>Find the value that is the most common</a:t>
             </a:r>
-            <a:endParaRPr lang="en-US" sz="4800" b="1" dirty="0" smtClean="0">
-              <a:solidFill>
-                <a:schemeClr val="tx2"/>
-              </a:solidFill>
-              <a:latin typeface="Consolas" charset="0"/>
-              <a:ea typeface="Consolas" charset="0"/>
-              <a:cs typeface="Consolas" charset="0"/>
-            </a:endParaRPr>
           </a:p>
         </p:txBody>
       </p:sp>
@@ -19401,8 +19280,27 @@
                 <a:ea typeface="Consolas" charset="0"/>
                 <a:cs typeface="Consolas" charset="0"/>
               </a:rPr>
-              <a:t>Mode = 21</a:t>
-            </a:r>
+              <a:t>Mode = </a:t>
+            </a:r>
+            <a:r>
+              <a:rPr lang="en-US" sz="2800" b="1" dirty="0" smtClean="0">
+                <a:solidFill>
+                  <a:schemeClr val="tx2"/>
+                </a:solidFill>
+                <a:latin typeface="Consolas" charset="0"/>
+                <a:ea typeface="Consolas" charset="0"/>
+                <a:cs typeface="Consolas" charset="0"/>
+              </a:rPr>
+              <a:t>MS</a:t>
+            </a:r>
+            <a:endParaRPr lang="en-US" sz="2800" b="1" dirty="0" smtClean="0">
+              <a:solidFill>
+                <a:schemeClr val="tx2"/>
+              </a:solidFill>
+              <a:latin typeface="Consolas" charset="0"/>
+              <a:ea typeface="Consolas" charset="0"/>
+              <a:cs typeface="Consolas" charset="0"/>
+            </a:endParaRPr>
           </a:p>
         </p:txBody>
       </p:sp>
@@ -19789,14 +19687,6 @@
                 </a:rPr>
                 <a:t>Mode</a:t>
               </a:r>
-              <a:endParaRPr lang="en-US" b="1" dirty="0" smtClean="0">
-                <a:solidFill>
-                  <a:schemeClr val="accent3"/>
-                </a:solidFill>
-                <a:latin typeface="Consolas" charset="0"/>
-                <a:ea typeface="Consolas" charset="0"/>
-                <a:cs typeface="Consolas" charset="0"/>
-              </a:endParaRPr>
             </a:p>
           </p:txBody>
         </p:sp>
@@ -20641,14 +20531,6 @@
                 </a:rPr>
                 <a:t>Mean</a:t>
               </a:r>
-              <a:endParaRPr lang="en-US" b="1" dirty="0" smtClean="0">
-                <a:solidFill>
-                  <a:schemeClr val="accent6"/>
-                </a:solidFill>
-                <a:latin typeface="Consolas" charset="0"/>
-                <a:ea typeface="Consolas" charset="0"/>
-                <a:cs typeface="Consolas" charset="0"/>
-              </a:endParaRPr>
             </a:p>
           </p:txBody>
         </p:sp>
@@ -20979,14 +20861,6 @@
                 </a:rPr>
                 <a:t>Mode</a:t>
               </a:r>
-              <a:endParaRPr lang="en-US" b="1" dirty="0" smtClean="0">
-                <a:solidFill>
-                  <a:schemeClr val="accent3"/>
-                </a:solidFill>
-                <a:latin typeface="Consolas" charset="0"/>
-                <a:ea typeface="Consolas" charset="0"/>
-                <a:cs typeface="Consolas" charset="0"/>
-              </a:endParaRPr>
             </a:p>
           </p:txBody>
         </p:sp>
@@ -21831,14 +21705,6 @@
                 </a:rPr>
                 <a:t>Mean</a:t>
               </a:r>
-              <a:endParaRPr lang="en-US" b="1" dirty="0" smtClean="0">
-                <a:solidFill>
-                  <a:schemeClr val="accent6"/>
-                </a:solidFill>
-                <a:latin typeface="Consolas" charset="0"/>
-                <a:ea typeface="Consolas" charset="0"/>
-                <a:cs typeface="Consolas" charset="0"/>
-              </a:endParaRPr>
             </a:p>
           </p:txBody>
         </p:sp>
@@ -22040,14 +21906,6 @@
               </a:rPr>
               <a:t>is all about</a:t>
             </a:r>
-            <a:endParaRPr lang="en-US" sz="4800" b="1" dirty="0" smtClean="0">
-              <a:solidFill>
-                <a:schemeClr val="tx2"/>
-              </a:solidFill>
-              <a:latin typeface="Consolas" charset="0"/>
-              <a:ea typeface="Consolas" charset="0"/>
-              <a:cs typeface="Consolas" charset="0"/>
-            </a:endParaRPr>
           </a:p>
         </p:txBody>
       </p:sp>
@@ -23019,14 +22877,6 @@
               </a:rPr>
               <a:t>Range</a:t>
             </a:r>
-            <a:endParaRPr lang="en-US" sz="4800" b="1" dirty="0" smtClean="0">
-              <a:solidFill>
-                <a:schemeClr val="accent6"/>
-              </a:solidFill>
-              <a:latin typeface="Consolas" charset="0"/>
-              <a:ea typeface="Consolas" charset="0"/>
-              <a:cs typeface="Consolas" charset="0"/>
-            </a:endParaRPr>
           </a:p>
         </p:txBody>
       </p:sp>
@@ -23150,14 +23000,6 @@
               </a:rPr>
               <a:t>“[Min] to [Max]”</a:t>
             </a:r>
-            <a:endParaRPr lang="en-US" sz="4800" b="1" dirty="0" smtClean="0">
-              <a:solidFill>
-                <a:schemeClr val="tx2"/>
-              </a:solidFill>
-              <a:latin typeface="Consolas" charset="0"/>
-              <a:ea typeface="Consolas" charset="0"/>
-              <a:cs typeface="Consolas" charset="0"/>
-            </a:endParaRPr>
           </a:p>
         </p:txBody>
       </p:sp>
@@ -23242,14 +23084,6 @@
               </a:rPr>
               <a:t>Standard Deviation</a:t>
             </a:r>
-            <a:endParaRPr lang="en-US" sz="4800" b="1" dirty="0" smtClean="0">
-              <a:solidFill>
-                <a:schemeClr val="accent2"/>
-              </a:solidFill>
-              <a:latin typeface="Consolas" charset="0"/>
-              <a:ea typeface="Consolas" charset="0"/>
-              <a:cs typeface="Consolas" charset="0"/>
-            </a:endParaRPr>
           </a:p>
         </p:txBody>
       </p:sp>
@@ -23353,14 +23187,6 @@
               </a:rPr>
               <a:t> M)</a:t>
             </a:r>
-            <a:endParaRPr lang="en-US" sz="4000" b="1" dirty="0" smtClean="0">
-              <a:solidFill>
-                <a:schemeClr val="tx2"/>
-              </a:solidFill>
-              <a:latin typeface="Consolas" charset="0"/>
-              <a:ea typeface="Consolas" charset="0"/>
-              <a:cs typeface="Consolas" charset="0"/>
-            </a:endParaRPr>
           </a:p>
         </p:txBody>
       </p:sp>
@@ -23374,7 +23200,7 @@
             </p:nvSpPr>
             <p:spPr>
               <a:xfrm>
-                <a:off x="1416170" y="4081688"/>
+                <a:off x="1416170" y="3799120"/>
                 <a:ext cx="8680785" cy="2274662"/>
               </a:xfrm>
               <a:prstGeom prst="rect">
@@ -23411,7 +23237,7 @@
                           <a:solidFill>
                             <a:schemeClr val="tx2"/>
                           </a:solidFill>
-                          <a:latin typeface="Consolas" charset="0"/>
+                          <a:latin typeface="Cambria Math" charset="0"/>
                           <a:ea typeface="Consolas" charset="0"/>
                           <a:cs typeface="Consolas" charset="0"/>
                         </a:rPr>
@@ -23617,7 +23443,7 @@
             </p:nvSpPr>
             <p:spPr>
               <a:xfrm>
-                <a:off x="1416170" y="4081688"/>
+                <a:off x="1416170" y="3799120"/>
                 <a:ext cx="8680785" cy="2274662"/>
               </a:xfrm>
               <a:prstGeom prst="rect">
@@ -23726,14 +23552,6 @@
               </a:rPr>
               <a:t>Standard Deviation</a:t>
             </a:r>
-            <a:endParaRPr lang="en-US" sz="4800" b="1" dirty="0" smtClean="0">
-              <a:solidFill>
-                <a:schemeClr val="accent2"/>
-              </a:solidFill>
-              <a:latin typeface="Consolas" charset="0"/>
-              <a:ea typeface="Consolas" charset="0"/>
-              <a:cs typeface="Consolas" charset="0"/>
-            </a:endParaRPr>
           </a:p>
         </p:txBody>
       </p:sp>
@@ -23760,8 +23578,8 @@
           </a:p>
         </p:txBody>
       </p:sp>
-      <mc:AlternateContent xmlns:mc="http://schemas.openxmlformats.org/markup-compatibility/2006">
-        <mc:Choice xmlns:a14="http://schemas.microsoft.com/office/drawing/2010/main" Requires="a14">
+      <mc:AlternateContent xmlns:mc="http://schemas.openxmlformats.org/markup-compatibility/2006" xmlns:a14="http://schemas.microsoft.com/office/drawing/2010/main">
+        <mc:Choice Requires="a14">
           <p:sp>
             <p:nvSpPr>
               <p:cNvPr id="8" name="TextBox 7"/>
@@ -23821,19 +23639,11 @@
                   </a:rPr>
                   <a:t> but is usually unknown</a:t>
                 </a:r>
-                <a:endParaRPr lang="en-US" sz="4000" b="1" dirty="0" smtClean="0">
-                  <a:solidFill>
-                    <a:schemeClr val="tx2"/>
-                  </a:solidFill>
-                  <a:latin typeface="Consolas" charset="0"/>
-                  <a:ea typeface="Consolas" charset="0"/>
-                  <a:cs typeface="Consolas" charset="0"/>
-                </a:endParaRPr>
               </a:p>
             </p:txBody>
           </p:sp>
         </mc:Choice>
-        <mc:Fallback>
+        <mc:Fallback xmlns="">
           <p:sp>
             <p:nvSpPr>
               <p:cNvPr id="8" name="TextBox 7"/>
@@ -23905,14 +23715,6 @@
               </a:rPr>
               <a:t>Our SD is an estimate of the population standard deviation</a:t>
             </a:r>
-            <a:endParaRPr lang="en-US" sz="4000" b="1" dirty="0" smtClean="0">
-              <a:solidFill>
-                <a:schemeClr val="accent1"/>
-              </a:solidFill>
-              <a:latin typeface="Consolas" charset="0"/>
-              <a:ea typeface="Consolas" charset="0"/>
-              <a:cs typeface="Consolas" charset="0"/>
-            </a:endParaRPr>
           </a:p>
         </p:txBody>
       </p:sp>
@@ -23929,9 +23731,88 @@
   <p:timing>
     <p:tnLst>
       <p:par>
-        <p:cTn id="1" dur="indefinite" restart="never" nodeType="tmRoot"/>
+        <p:cTn id="1" dur="indefinite" restart="never" nodeType="tmRoot">
+          <p:childTnLst>
+            <p:seq concurrent="1" nextAc="seek">
+              <p:cTn id="2" dur="indefinite" nodeType="mainSeq">
+                <p:childTnLst>
+                  <p:par>
+                    <p:cTn id="3" fill="hold">
+                      <p:stCondLst>
+                        <p:cond delay="indefinite"/>
+                      </p:stCondLst>
+                      <p:childTnLst>
+                        <p:par>
+                          <p:cTn id="4" fill="hold">
+                            <p:stCondLst>
+                              <p:cond delay="0"/>
+                            </p:stCondLst>
+                            <p:childTnLst>
+                              <p:par>
+                                <p:cTn id="5" presetID="9" presetClass="entr" presetSubtype="0" fill="hold" grpId="0" nodeType="clickEffect">
+                                  <p:stCondLst>
+                                    <p:cond delay="0"/>
+                                  </p:stCondLst>
+                                  <p:childTnLst>
+                                    <p:set>
+                                      <p:cBhvr>
+                                        <p:cTn id="6" dur="1" fill="hold">
+                                          <p:stCondLst>
+                                            <p:cond delay="0"/>
+                                          </p:stCondLst>
+                                        </p:cTn>
+                                        <p:tgtEl>
+                                          <p:spTgt spid="7"/>
+                                        </p:tgtEl>
+                                        <p:attrNameLst>
+                                          <p:attrName>style.visibility</p:attrName>
+                                        </p:attrNameLst>
+                                      </p:cBhvr>
+                                      <p:to>
+                                        <p:strVal val="visible"/>
+                                      </p:to>
+                                    </p:set>
+                                    <p:animEffect transition="in" filter="dissolve">
+                                      <p:cBhvr>
+                                        <p:cTn id="7" dur="500"/>
+                                        <p:tgtEl>
+                                          <p:spTgt spid="7"/>
+                                        </p:tgtEl>
+                                      </p:cBhvr>
+                                    </p:animEffect>
+                                  </p:childTnLst>
+                                </p:cTn>
+                              </p:par>
+                            </p:childTnLst>
+                          </p:cTn>
+                        </p:par>
+                      </p:childTnLst>
+                    </p:cTn>
+                  </p:par>
+                </p:childTnLst>
+              </p:cTn>
+              <p:prevCondLst>
+                <p:cond evt="onPrev" delay="0">
+                  <p:tgtEl>
+                    <p:sldTgt/>
+                  </p:tgtEl>
+                </p:cond>
+              </p:prevCondLst>
+              <p:nextCondLst>
+                <p:cond evt="onNext" delay="0">
+                  <p:tgtEl>
+                    <p:sldTgt/>
+                  </p:tgtEl>
+                </p:cond>
+              </p:nextCondLst>
+            </p:seq>
+          </p:childTnLst>
+        </p:cTn>
       </p:par>
     </p:tnLst>
+    <p:bldLst>
+      <p:bldP spid="7" grpId="0"/>
+    </p:bldLst>
   </p:timing>
 </p:sld>
 </file>
@@ -25219,14 +25100,6 @@
               </a:rPr>
               <a:t>What is the range of Age?</a:t>
             </a:r>
-            <a:endParaRPr lang="en-US" sz="4000" b="1" dirty="0" smtClean="0">
-              <a:solidFill>
-                <a:schemeClr val="tx2"/>
-              </a:solidFill>
-              <a:latin typeface="Consolas" charset="0"/>
-              <a:ea typeface="Consolas" charset="0"/>
-              <a:cs typeface="Consolas" charset="0"/>
-            </a:endParaRPr>
           </a:p>
         </p:txBody>
       </p:sp>
@@ -25364,14 +25237,6 @@
               </a:rPr>
               <a:t>     = 21 to 34</a:t>
             </a:r>
-            <a:endParaRPr lang="en-US" sz="2800" b="1" dirty="0" smtClean="0">
-              <a:solidFill>
-                <a:schemeClr val="tx2"/>
-              </a:solidFill>
-              <a:latin typeface="Consolas" charset="0"/>
-              <a:ea typeface="Consolas" charset="0"/>
-              <a:cs typeface="Consolas" charset="0"/>
-            </a:endParaRPr>
           </a:p>
         </p:txBody>
       </p:sp>
@@ -25408,14 +25273,6 @@
               </a:rPr>
               <a:t>Range = A to C</a:t>
             </a:r>
-            <a:endParaRPr lang="en-US" sz="2800" b="1" dirty="0" smtClean="0">
-              <a:solidFill>
-                <a:schemeClr val="tx2"/>
-              </a:solidFill>
-              <a:latin typeface="Consolas" charset="0"/>
-              <a:ea typeface="Consolas" charset="0"/>
-              <a:cs typeface="Consolas" charset="0"/>
-            </a:endParaRPr>
           </a:p>
         </p:txBody>
       </p:sp>
@@ -25571,14 +25428,6 @@
               </a:rPr>
               <a:t>Can we obtain a standard deviation with nominal data?</a:t>
             </a:r>
-            <a:endParaRPr lang="en-US" sz="3600" b="1" dirty="0" smtClean="0">
-              <a:solidFill>
-                <a:schemeClr val="tx2"/>
-              </a:solidFill>
-              <a:latin typeface="Consolas" charset="0"/>
-              <a:ea typeface="Consolas" charset="0"/>
-              <a:cs typeface="Consolas" charset="0"/>
-            </a:endParaRPr>
           </a:p>
         </p:txBody>
       </p:sp>
@@ -26444,7 +26293,7 @@
         </p:nvSpPr>
         <p:spPr>
           <a:xfrm>
-            <a:off x="408214" y="2197885"/>
+            <a:off x="393927" y="940585"/>
             <a:ext cx="11413671" cy="2800767"/>
           </a:xfrm>
           <a:prstGeom prst="rect">
@@ -26511,6 +26360,78 @@
               <a:t>40</a:t>
             </a:fld>
             <a:endParaRPr lang="en-US"/>
+          </a:p>
+        </p:txBody>
+      </p:sp>
+      <p:sp>
+        <p:nvSpPr>
+          <p:cNvPr id="5" name="Rectangle 4"/>
+          <p:cNvSpPr/>
+          <p:nvPr/>
+        </p:nvSpPr>
+        <p:spPr>
+          <a:xfrm>
+            <a:off x="3028950" y="4129635"/>
+            <a:ext cx="6143624" cy="1938992"/>
+          </a:xfrm>
+          <a:prstGeom prst="rect">
+            <a:avLst/>
+          </a:prstGeom>
+        </p:spPr>
+        <p:txBody>
+          <a:bodyPr wrap="square">
+            <a:spAutoFit/>
+          </a:bodyPr>
+          <a:lstStyle/>
+          <a:p>
+            <a:pPr algn="ctr"/>
+            <a:r>
+              <a:rPr lang="en-US" sz="4000" b="1" dirty="0" smtClean="0">
+                <a:solidFill>
+                  <a:schemeClr val="accent2"/>
+                </a:solidFill>
+                <a:latin typeface="Consolas" charset="0"/>
+                <a:ea typeface="Consolas" charset="0"/>
+                <a:cs typeface="Consolas" charset="0"/>
+              </a:rPr>
+              <a:t>Plots</a:t>
+            </a:r>
+          </a:p>
+          <a:p>
+            <a:pPr algn="ctr"/>
+            <a:r>
+              <a:rPr lang="en-US" sz="4000" b="1" dirty="0" smtClean="0">
+                <a:solidFill>
+                  <a:schemeClr val="accent2"/>
+                </a:solidFill>
+                <a:latin typeface="Consolas" charset="0"/>
+                <a:ea typeface="Consolas" charset="0"/>
+                <a:cs typeface="Consolas" charset="0"/>
+              </a:rPr>
+              <a:t>Central Tendency</a:t>
+            </a:r>
+          </a:p>
+          <a:p>
+            <a:pPr algn="ctr"/>
+            <a:r>
+              <a:rPr lang="en-US" sz="4000" b="1" dirty="0" smtClean="0">
+                <a:solidFill>
+                  <a:schemeClr val="accent2"/>
+                </a:solidFill>
+                <a:latin typeface="Consolas" charset="0"/>
+                <a:ea typeface="Consolas" charset="0"/>
+                <a:cs typeface="Consolas" charset="0"/>
+              </a:rPr>
+              <a:t>Variability</a:t>
+            </a:r>
+            <a:endParaRPr lang="en-US" sz="4000" b="1" dirty="0" smtClean="0">
+              <a:solidFill>
+                <a:schemeClr val="accent2"/>
+              </a:solidFill>
+              <a:latin typeface="Consolas" charset="0"/>
+              <a:ea typeface="Consolas" charset="0"/>
+              <a:cs typeface="Consolas" charset="0"/>
+            </a:endParaRPr>
           </a:p>
         </p:txBody>
       </p:sp>
@@ -26701,7 +26622,7 @@
         <p:spPr>
           <a:xfrm>
             <a:off x="865411" y="2124157"/>
-            <a:ext cx="10825845" cy="3908762"/>
+            <a:ext cx="10825845" cy="3416320"/>
           </a:xfrm>
           <a:prstGeom prst="rect">
             <a:avLst/>
@@ -26720,7 +26641,7 @@
             <a:r>
               <a:rPr lang="en-US" sz="4000" dirty="0">
                 <a:solidFill>
-                  <a:schemeClr val="accent3"/>
+                  <a:schemeClr val="accent1"/>
                 </a:solidFill>
                 <a:latin typeface="Consolas" charset="0"/>
                 <a:ea typeface="Consolas" charset="0"/>
@@ -26731,17 +26652,39 @@
             <a:r>
               <a:rPr lang="en-US" sz="3200" dirty="0">
                 <a:solidFill>
-                  <a:schemeClr val="accent3"/>
+                  <a:schemeClr val="accent1"/>
                 </a:solidFill>
                 <a:latin typeface="Consolas" charset="0"/>
                 <a:ea typeface="Consolas" charset="0"/>
                 <a:cs typeface="Consolas" charset="0"/>
               </a:rPr>
-              <a:t>(hypothesis testing, populations and samples, descriptive and inferential statistics, effect sizes, confidence intervals, Type I and II errors) </a:t>
+              <a:t>(hypothesis testing, </a:t>
+            </a:r>
+            <a:r>
+              <a:rPr lang="en-US" sz="3200" dirty="0" smtClean="0">
+                <a:solidFill>
+                  <a:schemeClr val="accent1"/>
+                </a:solidFill>
+                <a:latin typeface="Consolas" charset="0"/>
+                <a:ea typeface="Consolas" charset="0"/>
+                <a:cs typeface="Consolas" charset="0"/>
+              </a:rPr>
+              <a:t>descriptive </a:t>
+            </a:r>
+            <a:r>
+              <a:rPr lang="en-US" sz="3200" dirty="0">
+                <a:solidFill>
+                  <a:schemeClr val="accent1"/>
+                </a:solidFill>
+                <a:latin typeface="Consolas" charset="0"/>
+                <a:ea typeface="Consolas" charset="0"/>
+                <a:cs typeface="Consolas" charset="0"/>
+              </a:rPr>
+              <a:t>and inferential statistics, effect sizes, confidence intervals, Type I and II errors) </a:t>
             </a:r>
             <a:endParaRPr lang="en-US" sz="4000" dirty="0">
               <a:solidFill>
-                <a:schemeClr val="accent3"/>
+                <a:schemeClr val="accent1"/>
               </a:solidFill>
               <a:latin typeface="Consolas" charset="0"/>
               <a:ea typeface="Consolas" charset="0"/>
@@ -26762,18 +26705,7 @@
                 <a:ea typeface="Consolas" charset="0"/>
                 <a:cs typeface="Consolas" charset="0"/>
               </a:rPr>
-              <a:t>Chapters 4, 5, and 6 in </a:t>
-            </a:r>
-            <a:r>
-              <a:rPr lang="en-US" sz="4000" dirty="0" smtClean="0">
-                <a:solidFill>
-                  <a:schemeClr val="accent3"/>
-                </a:solidFill>
-                <a:latin typeface="Consolas" charset="0"/>
-                <a:ea typeface="Consolas" charset="0"/>
-                <a:cs typeface="Consolas" charset="0"/>
-              </a:rPr>
-              <a:t>Book</a:t>
+              <a:t>Chapters 4, 5, and 6 in Book</a:t>
             </a:r>
           </a:p>
           <a:p>
@@ -26784,7 +26716,7 @@
             <a:r>
               <a:rPr lang="en-US" sz="4000" dirty="0" smtClean="0">
                 <a:solidFill>
-                  <a:schemeClr val="accent3"/>
+                  <a:schemeClr val="accent2"/>
                 </a:solidFill>
                 <a:latin typeface="Consolas" charset="0"/>
                 <a:ea typeface="Consolas" charset="0"/>
@@ -26794,7 +26726,7 @@
             </a:r>
             <a:endParaRPr lang="en-US" sz="4000" dirty="0">
               <a:solidFill>
-                <a:schemeClr val="accent3"/>
+                <a:schemeClr val="accent2"/>
               </a:solidFill>
               <a:latin typeface="Consolas" charset="0"/>
               <a:ea typeface="Consolas" charset="0"/>
@@ -27234,7 +27166,7 @@
                 <a:ea typeface="Consolas" charset="0"/>
                 <a:cs typeface="Consolas" charset="0"/>
               </a:rPr>
-              <a:t>What is the difference between ratio and interval levels of measurement?</a:t>
+              <a:t>What information does a bar chart provide? What about a histogram?</a:t>
             </a:r>
             <a:endParaRPr lang="en-US" sz="3200" b="1" dirty="0">
               <a:solidFill>
